--- a/概略.pptx
+++ b/概略.pptx
@@ -3641,14 +3641,14 @@
           <a:p>
             <a:pPr algn="ctr"/>
             <a:r>
-              <a:rPr kumimoji="1" lang="en-US" altLang="ja-JP" sz="800" b="1" dirty="0" err="1" smtClean="0">
+              <a:rPr kumimoji="1" lang="en-US" altLang="ja-JP" sz="1000" b="1" dirty="0" err="1" smtClean="0">
                 <a:solidFill>
                   <a:schemeClr val="tx1"/>
                 </a:solidFill>
               </a:rPr>
               <a:t>SetMy</a:t>
             </a:r>
-            <a:endParaRPr kumimoji="1" lang="en-US" altLang="ja-JP" sz="800" b="1" dirty="0" smtClean="0">
+            <a:endParaRPr kumimoji="1" lang="en-US" altLang="ja-JP" sz="1000" b="1" dirty="0" smtClean="0">
               <a:solidFill>
                 <a:schemeClr val="tx1"/>
               </a:solidFill>
@@ -3657,14 +3657,14 @@
           <a:p>
             <a:pPr algn="ctr"/>
             <a:r>
-              <a:rPr kumimoji="1" lang="en-US" altLang="ja-JP" sz="800" b="1" dirty="0" err="1" smtClean="0">
+              <a:rPr kumimoji="1" lang="en-US" altLang="ja-JP" sz="1000" b="1" dirty="0" err="1" smtClean="0">
                 <a:solidFill>
                   <a:schemeClr val="tx1"/>
                 </a:solidFill>
               </a:rPr>
               <a:t>NameAnd</a:t>
             </a:r>
-            <a:endParaRPr kumimoji="1" lang="en-US" altLang="ja-JP" sz="800" b="1" dirty="0" smtClean="0">
+            <a:endParaRPr kumimoji="1" lang="en-US" altLang="ja-JP" sz="1000" b="1" dirty="0" smtClean="0">
               <a:solidFill>
                 <a:schemeClr val="tx1"/>
               </a:solidFill>
@@ -3673,14 +3673,14 @@
           <a:p>
             <a:pPr algn="ctr"/>
             <a:r>
-              <a:rPr kumimoji="1" lang="en-US" altLang="ja-JP" sz="800" b="1" dirty="0" err="1" smtClean="0">
+              <a:rPr kumimoji="1" lang="en-US" altLang="ja-JP" sz="1000" b="1" dirty="0" err="1" smtClean="0">
                 <a:solidFill>
                   <a:schemeClr val="tx1"/>
                 </a:solidFill>
               </a:rPr>
               <a:t>IconID</a:t>
             </a:r>
-            <a:endParaRPr kumimoji="1" lang="en-US" altLang="ja-JP" sz="800" b="1" dirty="0" smtClean="0">
+            <a:endParaRPr kumimoji="1" lang="en-US" altLang="ja-JP" sz="1000" b="1" dirty="0" smtClean="0">
               <a:solidFill>
                 <a:schemeClr val="tx1"/>
               </a:solidFill>
@@ -3689,7 +3689,7 @@
           <a:p>
             <a:pPr algn="ctr"/>
             <a:r>
-              <a:rPr lang="ja-JP" altLang="en-US" sz="800" b="1" dirty="0">
+              <a:rPr lang="ja-JP" altLang="en-US" sz="1000" b="1" dirty="0">
                 <a:solidFill>
                   <a:schemeClr val="tx1"/>
                 </a:solidFill>
@@ -3697,7 +3697,7 @@
               <a:t>名前</a:t>
             </a:r>
             <a:r>
-              <a:rPr lang="ja-JP" altLang="en-US" sz="800" b="1" dirty="0" smtClean="0">
+              <a:rPr lang="ja-JP" altLang="en-US" sz="1000" b="1" dirty="0" smtClean="0">
                 <a:solidFill>
                   <a:schemeClr val="tx1"/>
                 </a:solidFill>
@@ -3705,7 +3705,7 @@
               <a:t>と</a:t>
             </a:r>
             <a:r>
-              <a:rPr lang="en-US" altLang="ja-JP" sz="800" b="1" dirty="0" smtClean="0">
+              <a:rPr lang="en-US" altLang="ja-JP" sz="1000" b="1" dirty="0" smtClean="0">
                 <a:solidFill>
                   <a:schemeClr val="tx1"/>
                 </a:solidFill>
@@ -3713,14 +3713,14 @@
               <a:t>ID</a:t>
             </a:r>
             <a:r>
-              <a:rPr lang="ja-JP" altLang="en-US" sz="800" b="1" dirty="0" smtClean="0">
+              <a:rPr lang="ja-JP" altLang="en-US" sz="1000" b="1" dirty="0" smtClean="0">
                 <a:solidFill>
                   <a:schemeClr val="tx1"/>
                 </a:solidFill>
               </a:rPr>
               <a:t>の登録</a:t>
             </a:r>
-            <a:endParaRPr kumimoji="1" lang="ja-JP" altLang="en-US" sz="800" b="1" dirty="0">
+            <a:endParaRPr kumimoji="1" lang="ja-JP" altLang="en-US" sz="1000" b="1" dirty="0">
               <a:solidFill>
                 <a:schemeClr val="tx1"/>
               </a:solidFill>
@@ -3763,7 +3763,7 @@
           <a:p>
             <a:pPr algn="ctr"/>
             <a:r>
-              <a:rPr kumimoji="1" lang="en-US" altLang="ja-JP" sz="800" b="1" dirty="0" smtClean="0">
+              <a:rPr kumimoji="1" lang="en-US" altLang="ja-JP" sz="1000" b="1" dirty="0" smtClean="0">
                 <a:solidFill>
                   <a:schemeClr val="tx1"/>
                 </a:solidFill>
@@ -3774,7 +3774,7 @@
           <a:p>
             <a:pPr algn="ctr"/>
             <a:r>
-              <a:rPr kumimoji="1" lang="en-US" altLang="ja-JP" sz="800" b="1" dirty="0" smtClean="0">
+              <a:rPr kumimoji="1" lang="en-US" altLang="ja-JP" sz="1000" b="1" dirty="0" smtClean="0">
                 <a:solidFill>
                   <a:schemeClr val="tx1"/>
                 </a:solidFill>
@@ -3785,14 +3785,14 @@
           <a:p>
             <a:pPr algn="ctr"/>
             <a:r>
-              <a:rPr kumimoji="1" lang="ja-JP" altLang="en-US" sz="800" b="1" dirty="0" smtClean="0">
+              <a:rPr kumimoji="1" lang="ja-JP" altLang="en-US" sz="1000" b="1" dirty="0" smtClean="0">
                 <a:solidFill>
                   <a:schemeClr val="tx1"/>
                 </a:solidFill>
               </a:rPr>
               <a:t>名前の変更</a:t>
             </a:r>
-            <a:endParaRPr kumimoji="1" lang="ja-JP" altLang="en-US" sz="800" b="1" dirty="0">
+            <a:endParaRPr kumimoji="1" lang="ja-JP" altLang="en-US" sz="1000" b="1" dirty="0">
               <a:solidFill>
                 <a:schemeClr val="tx1"/>
               </a:solidFill>
@@ -3835,18 +3835,23 @@
           <a:p>
             <a:pPr algn="ctr"/>
             <a:r>
-              <a:rPr kumimoji="1" lang="en-US" altLang="ja-JP" sz="800" b="1" dirty="0" smtClean="0">
+              <a:rPr kumimoji="1" lang="en-US" altLang="ja-JP" sz="1000" b="1" dirty="0" smtClean="0">
                 <a:solidFill>
                   <a:schemeClr val="tx1"/>
                 </a:solidFill>
               </a:rPr>
-              <a:t>Change</a:t>
-            </a:r>
+              <a:t>Check</a:t>
+            </a:r>
+            <a:endParaRPr kumimoji="1" lang="en-US" altLang="ja-JP" sz="1000" b="1" dirty="0" smtClean="0">
+              <a:solidFill>
+                <a:schemeClr val="tx1"/>
+              </a:solidFill>
+            </a:endParaRPr>
           </a:p>
           <a:p>
             <a:pPr algn="ctr"/>
             <a:r>
-              <a:rPr kumimoji="1" lang="en-US" altLang="ja-JP" sz="800" b="1" dirty="0" smtClean="0">
+              <a:rPr kumimoji="1" lang="en-US" altLang="ja-JP" sz="1000" b="1" dirty="0" smtClean="0">
                 <a:solidFill>
                   <a:schemeClr val="tx1"/>
                 </a:solidFill>
@@ -3857,14 +3862,14 @@
           <a:p>
             <a:pPr algn="ctr"/>
             <a:r>
-              <a:rPr kumimoji="1" lang="ja-JP" altLang="en-US" sz="800" b="1" dirty="0" smtClean="0">
+              <a:rPr kumimoji="1" lang="ja-JP" altLang="en-US" sz="1000" b="1" dirty="0" smtClean="0">
                 <a:solidFill>
                   <a:schemeClr val="tx1"/>
                 </a:solidFill>
               </a:rPr>
               <a:t>重複のチェック</a:t>
             </a:r>
-            <a:endParaRPr kumimoji="1" lang="ja-JP" altLang="en-US" sz="800" b="1" dirty="0">
+            <a:endParaRPr kumimoji="1" lang="ja-JP" altLang="en-US" sz="1000" b="1" dirty="0">
               <a:solidFill>
                 <a:schemeClr val="tx1"/>
               </a:solidFill>
@@ -3907,7 +3912,7 @@
           <a:p>
             <a:pPr algn="ctr"/>
             <a:r>
-              <a:rPr lang="en-US" altLang="ja-JP" sz="800" b="1" dirty="0" smtClean="0">
+              <a:rPr lang="en-US" altLang="ja-JP" sz="1000" b="1" dirty="0" smtClean="0">
                 <a:solidFill>
                   <a:schemeClr val="tx1"/>
                 </a:solidFill>
@@ -3918,7 +3923,7 @@
           <a:p>
             <a:pPr algn="ctr"/>
             <a:r>
-              <a:rPr lang="en-US" altLang="ja-JP" sz="800" b="1" dirty="0" smtClean="0">
+              <a:rPr lang="en-US" altLang="ja-JP" sz="1000" b="1" dirty="0" smtClean="0">
                 <a:solidFill>
                   <a:schemeClr val="tx1"/>
                 </a:solidFill>
@@ -3929,14 +3934,14 @@
           <a:p>
             <a:pPr algn="ctr"/>
             <a:r>
-              <a:rPr kumimoji="1" lang="ja-JP" altLang="en-US" sz="800" b="1" dirty="0" smtClean="0">
+              <a:rPr kumimoji="1" lang="ja-JP" altLang="en-US" sz="1000" b="1" dirty="0" smtClean="0">
                 <a:solidFill>
                   <a:schemeClr val="tx1"/>
                 </a:solidFill>
               </a:rPr>
               <a:t>名前の矛盾確認</a:t>
             </a:r>
-            <a:endParaRPr kumimoji="1" lang="ja-JP" altLang="en-US" sz="800" b="1" dirty="0">
+            <a:endParaRPr kumimoji="1" lang="ja-JP" altLang="en-US" sz="1000" b="1" dirty="0">
               <a:solidFill>
                 <a:schemeClr val="tx1"/>
               </a:solidFill>
@@ -3979,14 +3984,14 @@
           <a:p>
             <a:pPr algn="ctr"/>
             <a:r>
-              <a:rPr lang="en-US" altLang="ja-JP" sz="800" b="1" dirty="0" err="1" smtClean="0">
+              <a:rPr lang="en-US" altLang="ja-JP" sz="1000" b="1" dirty="0" err="1" smtClean="0">
                 <a:solidFill>
                   <a:schemeClr val="tx1"/>
                 </a:solidFill>
               </a:rPr>
               <a:t>GetMyID</a:t>
             </a:r>
-            <a:endParaRPr kumimoji="1" lang="en-US" altLang="ja-JP" sz="800" b="1" dirty="0" smtClean="0">
+            <a:endParaRPr kumimoji="1" lang="en-US" altLang="ja-JP" sz="1000" b="1" dirty="0" smtClean="0">
               <a:solidFill>
                 <a:schemeClr val="tx1"/>
               </a:solidFill>
@@ -3995,7 +4000,7 @@
           <a:p>
             <a:pPr algn="ctr"/>
             <a:r>
-              <a:rPr kumimoji="1" lang="ja-JP" altLang="en-US" sz="800" b="1" dirty="0" smtClean="0">
+              <a:rPr kumimoji="1" lang="ja-JP" altLang="en-US" sz="1000" b="1" dirty="0" smtClean="0">
                 <a:solidFill>
                   <a:schemeClr val="tx1"/>
                 </a:solidFill>
@@ -4003,7 +4008,7 @@
               <a:t>ユーザー</a:t>
             </a:r>
             <a:r>
-              <a:rPr kumimoji="1" lang="en-US" altLang="ja-JP" sz="800" b="1" dirty="0" smtClean="0">
+              <a:rPr kumimoji="1" lang="en-US" altLang="ja-JP" sz="1000" b="1" dirty="0" smtClean="0">
                 <a:solidFill>
                   <a:schemeClr val="tx1"/>
                 </a:solidFill>
@@ -4011,14 +4016,14 @@
               <a:t>ID</a:t>
             </a:r>
             <a:r>
-              <a:rPr kumimoji="1" lang="ja-JP" altLang="en-US" sz="800" b="1" dirty="0" smtClean="0">
+              <a:rPr kumimoji="1" lang="ja-JP" altLang="en-US" sz="1000" b="1" dirty="0" smtClean="0">
                 <a:solidFill>
                   <a:schemeClr val="tx1"/>
                 </a:solidFill>
               </a:rPr>
               <a:t>の取得</a:t>
             </a:r>
-            <a:endParaRPr kumimoji="1" lang="ja-JP" altLang="en-US" sz="800" b="1" dirty="0">
+            <a:endParaRPr kumimoji="1" lang="ja-JP" altLang="en-US" sz="1000" b="1" dirty="0">
               <a:solidFill>
                 <a:schemeClr val="tx1"/>
               </a:solidFill>
@@ -4061,14 +4066,14 @@
           <a:p>
             <a:pPr algn="ctr"/>
             <a:r>
-              <a:rPr kumimoji="1" lang="en-US" altLang="ja-JP" sz="800" b="1" dirty="0" err="1" smtClean="0">
+              <a:rPr kumimoji="1" lang="en-US" altLang="ja-JP" sz="1000" b="1" dirty="0" err="1" smtClean="0">
                 <a:solidFill>
                   <a:schemeClr val="tx1"/>
                 </a:solidFill>
               </a:rPr>
               <a:t>InsertMy</a:t>
             </a:r>
-            <a:endParaRPr kumimoji="1" lang="en-US" altLang="ja-JP" sz="800" b="1" dirty="0" smtClean="0">
+            <a:endParaRPr kumimoji="1" lang="en-US" altLang="ja-JP" sz="1000" b="1" dirty="0" smtClean="0">
               <a:solidFill>
                 <a:schemeClr val="tx1"/>
               </a:solidFill>
@@ -4077,7 +4082,7 @@
           <a:p>
             <a:pPr algn="ctr"/>
             <a:r>
-              <a:rPr kumimoji="1" lang="en-US" altLang="ja-JP" sz="800" b="1" dirty="0" smtClean="0">
+              <a:rPr kumimoji="1" lang="en-US" altLang="ja-JP" sz="1000" b="1" dirty="0" smtClean="0">
                 <a:solidFill>
                   <a:schemeClr val="tx1"/>
                 </a:solidFill>
@@ -4088,7 +4093,7 @@
           <a:p>
             <a:pPr algn="ctr"/>
             <a:r>
-              <a:rPr lang="ja-JP" altLang="en-US" sz="800" b="1" dirty="0">
+              <a:rPr lang="ja-JP" altLang="en-US" sz="1000" b="1" dirty="0">
                 <a:solidFill>
                   <a:schemeClr val="tx1"/>
                 </a:solidFill>
@@ -4096,14 +4101,14 @@
               <a:t>位置情報</a:t>
             </a:r>
             <a:r>
-              <a:rPr lang="ja-JP" altLang="en-US" sz="800" b="1" dirty="0" smtClean="0">
+              <a:rPr lang="ja-JP" altLang="en-US" sz="1000" b="1" dirty="0" smtClean="0">
                 <a:solidFill>
                   <a:schemeClr val="tx1"/>
                 </a:solidFill>
               </a:rPr>
               <a:t>の挿入</a:t>
             </a:r>
-            <a:endParaRPr kumimoji="1" lang="ja-JP" altLang="en-US" sz="800" b="1" dirty="0">
+            <a:endParaRPr kumimoji="1" lang="ja-JP" altLang="en-US" sz="1000" b="1" dirty="0">
               <a:solidFill>
                 <a:schemeClr val="tx1"/>
               </a:solidFill>
@@ -4639,7 +4644,7 @@
           <a:p>
             <a:pPr algn="ctr"/>
             <a:r>
-              <a:rPr kumimoji="1" lang="en-US" altLang="ja-JP" sz="800" b="1" dirty="0" smtClean="0">
+              <a:rPr kumimoji="1" lang="en-US" altLang="ja-JP" sz="1000" b="1" dirty="0" smtClean="0">
                 <a:solidFill>
                   <a:schemeClr val="tx1"/>
                 </a:solidFill>
@@ -4650,7 +4655,7 @@
           <a:p>
             <a:pPr algn="ctr"/>
             <a:r>
-              <a:rPr kumimoji="1" lang="en-US" altLang="ja-JP" sz="800" b="1" dirty="0" smtClean="0">
+              <a:rPr kumimoji="1" lang="en-US" altLang="ja-JP" sz="1000" b="1" dirty="0" smtClean="0">
                 <a:solidFill>
                   <a:schemeClr val="tx1"/>
                 </a:solidFill>
@@ -4661,14 +4666,14 @@
           <a:p>
             <a:pPr algn="ctr"/>
             <a:r>
-              <a:rPr lang="ja-JP" altLang="en-US" sz="800" b="1" dirty="0">
+              <a:rPr lang="ja-JP" altLang="en-US" sz="1000" b="1" dirty="0">
                 <a:solidFill>
                   <a:schemeClr val="tx1"/>
                 </a:solidFill>
               </a:rPr>
               <a:t>マーカーの変更</a:t>
             </a:r>
-            <a:endParaRPr kumimoji="1" lang="ja-JP" altLang="en-US" sz="800" b="1" dirty="0">
+            <a:endParaRPr kumimoji="1" lang="ja-JP" altLang="en-US" sz="1000" b="1" dirty="0">
               <a:solidFill>
                 <a:schemeClr val="tx1"/>
               </a:solidFill>
@@ -4711,14 +4716,14 @@
           <a:p>
             <a:pPr algn="ctr"/>
             <a:r>
-              <a:rPr kumimoji="1" lang="en-US" altLang="ja-JP" sz="800" b="1" dirty="0" err="1" smtClean="0">
+              <a:rPr kumimoji="1" lang="en-US" altLang="ja-JP" sz="1000" b="1" dirty="0" err="1" smtClean="0">
                 <a:solidFill>
                   <a:schemeClr val="tx1"/>
                 </a:solidFill>
               </a:rPr>
               <a:t>GetAll</a:t>
             </a:r>
-            <a:endParaRPr kumimoji="1" lang="en-US" altLang="ja-JP" sz="800" b="1" dirty="0" smtClean="0">
+            <a:endParaRPr kumimoji="1" lang="en-US" altLang="ja-JP" sz="1000" b="1" dirty="0" smtClean="0">
               <a:solidFill>
                 <a:schemeClr val="tx1"/>
               </a:solidFill>
@@ -4727,7 +4732,7 @@
           <a:p>
             <a:pPr algn="ctr"/>
             <a:r>
-              <a:rPr kumimoji="1" lang="en-US" altLang="ja-JP" sz="800" b="1" dirty="0" smtClean="0">
+              <a:rPr kumimoji="1" lang="en-US" altLang="ja-JP" sz="1000" b="1" dirty="0" smtClean="0">
                 <a:solidFill>
                   <a:schemeClr val="tx1"/>
                 </a:solidFill>
@@ -4738,7 +4743,7 @@
           <a:p>
             <a:pPr algn="ctr"/>
             <a:r>
-              <a:rPr lang="ja-JP" altLang="en-US" sz="800" b="1" dirty="0">
+              <a:rPr lang="ja-JP" altLang="en-US" sz="1000" b="1" dirty="0">
                 <a:solidFill>
                   <a:schemeClr val="tx1"/>
                 </a:solidFill>
@@ -4746,14 +4751,14 @@
               <a:t>位置情報</a:t>
             </a:r>
             <a:r>
-              <a:rPr lang="ja-JP" altLang="en-US" sz="800" b="1" dirty="0" smtClean="0">
+              <a:rPr lang="ja-JP" altLang="en-US" sz="1000" b="1" dirty="0" smtClean="0">
                 <a:solidFill>
                   <a:schemeClr val="tx1"/>
                 </a:solidFill>
               </a:rPr>
               <a:t>の取得</a:t>
             </a:r>
-            <a:endParaRPr kumimoji="1" lang="ja-JP" altLang="en-US" sz="800" b="1" dirty="0">
+            <a:endParaRPr kumimoji="1" lang="ja-JP" altLang="en-US" sz="1000" b="1" dirty="0">
               <a:solidFill>
                 <a:schemeClr val="tx1"/>
               </a:solidFill>

--- a/概略.pptx
+++ b/概略.pptx
@@ -3393,8 +3393,8 @@
         </p:nvSpPr>
         <p:spPr>
           <a:xfrm>
-            <a:off x="919112" y="-9981"/>
-            <a:ext cx="6270755" cy="6768752"/>
+            <a:off x="1593734" y="655994"/>
+            <a:ext cx="5095992" cy="5721372"/>
           </a:xfrm>
           <a:prstGeom prst="ellipse">
             <a:avLst/>
@@ -3423,140 +3423,6 @@
           </a:p>
         </p:txBody>
       </p:sp>
-      <p:cxnSp>
-        <p:nvCxnSpPr>
-          <p:cNvPr id="54" name="直線矢印コネクタ 53"/>
-          <p:cNvCxnSpPr/>
-          <p:nvPr/>
-        </p:nvCxnSpPr>
-        <p:spPr>
-          <a:xfrm>
-            <a:off x="3246377" y="805354"/>
-            <a:ext cx="4421967" cy="2183619"/>
-          </a:xfrm>
-          <a:prstGeom prst="straightConnector1">
-            <a:avLst/>
-          </a:prstGeom>
-          <a:ln>
-            <a:tailEnd type="arrow"/>
-          </a:ln>
-        </p:spPr>
-        <p:style>
-          <a:lnRef idx="3">
-            <a:schemeClr val="accent2"/>
-          </a:lnRef>
-          <a:fillRef idx="0">
-            <a:schemeClr val="accent2"/>
-          </a:fillRef>
-          <a:effectRef idx="2">
-            <a:schemeClr val="accent2"/>
-          </a:effectRef>
-          <a:fontRef idx="minor">
-            <a:schemeClr val="tx1"/>
-          </a:fontRef>
-        </p:style>
-      </p:cxnSp>
-      <p:cxnSp>
-        <p:nvCxnSpPr>
-          <p:cNvPr id="75" name="直線矢印コネクタ 74"/>
-          <p:cNvCxnSpPr/>
-          <p:nvPr/>
-        </p:nvCxnSpPr>
-        <p:spPr>
-          <a:xfrm flipV="1">
-            <a:off x="3385530" y="4403641"/>
-            <a:ext cx="4642854" cy="1833672"/>
-          </a:xfrm>
-          <a:prstGeom prst="straightConnector1">
-            <a:avLst/>
-          </a:prstGeom>
-          <a:ln>
-            <a:tailEnd type="arrow"/>
-          </a:ln>
-        </p:spPr>
-        <p:style>
-          <a:lnRef idx="3">
-            <a:schemeClr val="accent2"/>
-          </a:lnRef>
-          <a:fillRef idx="0">
-            <a:schemeClr val="accent2"/>
-          </a:fillRef>
-          <a:effectRef idx="2">
-            <a:schemeClr val="accent2"/>
-          </a:effectRef>
-          <a:fontRef idx="minor">
-            <a:schemeClr val="tx1"/>
-          </a:fontRef>
-        </p:style>
-      </p:cxnSp>
-      <p:cxnSp>
-        <p:nvCxnSpPr>
-          <p:cNvPr id="72" name="直線矢印コネクタ 71"/>
-          <p:cNvCxnSpPr/>
-          <p:nvPr/>
-        </p:nvCxnSpPr>
-        <p:spPr>
-          <a:xfrm flipV="1">
-            <a:off x="4352663" y="4403641"/>
-            <a:ext cx="3337344" cy="1113593"/>
-          </a:xfrm>
-          <a:prstGeom prst="straightConnector1">
-            <a:avLst/>
-          </a:prstGeom>
-          <a:ln>
-            <a:tailEnd type="arrow"/>
-          </a:ln>
-        </p:spPr>
-        <p:style>
-          <a:lnRef idx="3">
-            <a:schemeClr val="accent2"/>
-          </a:lnRef>
-          <a:fillRef idx="0">
-            <a:schemeClr val="accent2"/>
-          </a:fillRef>
-          <a:effectRef idx="2">
-            <a:schemeClr val="accent2"/>
-          </a:effectRef>
-          <a:fontRef idx="minor">
-            <a:schemeClr val="tx1"/>
-          </a:fontRef>
-        </p:style>
-      </p:cxnSp>
-      <p:cxnSp>
-        <p:nvCxnSpPr>
-          <p:cNvPr id="69" name="直線矢印コネクタ 68"/>
-          <p:cNvCxnSpPr>
-            <a:stCxn id="12" idx="3"/>
-          </p:cNvCxnSpPr>
-          <p:nvPr/>
-        </p:nvCxnSpPr>
-        <p:spPr>
-          <a:xfrm flipV="1">
-            <a:off x="5387008" y="4177961"/>
-            <a:ext cx="1993304" cy="661725"/>
-          </a:xfrm>
-          <a:prstGeom prst="straightConnector1">
-            <a:avLst/>
-          </a:prstGeom>
-          <a:ln>
-            <a:tailEnd type="arrow"/>
-          </a:ln>
-        </p:spPr>
-        <p:style>
-          <a:lnRef idx="3">
-            <a:schemeClr val="accent2"/>
-          </a:lnRef>
-          <a:fillRef idx="0">
-            <a:schemeClr val="accent2"/>
-          </a:fillRef>
-          <a:effectRef idx="2">
-            <a:schemeClr val="accent2"/>
-          </a:effectRef>
-          <a:fontRef idx="minor">
-            <a:schemeClr val="tx1"/>
-          </a:fontRef>
-        </p:style>
-      </p:cxnSp>
       <p:sp>
         <p:nvSpPr>
           <p:cNvPr id="4" name="正方形/長方形 3"/>
@@ -3614,7 +3480,7 @@
         </p:nvSpPr>
         <p:spPr>
           <a:xfrm>
-            <a:off x="2313586" y="620688"/>
+            <a:off x="3116865" y="1177197"/>
             <a:ext cx="932791" cy="1070952"/>
           </a:xfrm>
           <a:prstGeom prst="rect">
@@ -3736,7 +3602,7 @@
         </p:nvSpPr>
         <p:spPr>
           <a:xfrm>
-            <a:off x="3419872" y="1237934"/>
+            <a:off x="4259908" y="1185831"/>
             <a:ext cx="932791" cy="1070952"/>
           </a:xfrm>
           <a:prstGeom prst="rect">
@@ -3808,7 +3674,7 @@
         </p:nvSpPr>
         <p:spPr>
           <a:xfrm>
-            <a:off x="3419872" y="4771480"/>
+            <a:off x="4259908" y="4941168"/>
             <a:ext cx="932791" cy="1070952"/>
           </a:xfrm>
           <a:prstGeom prst="rect">
@@ -3842,11 +3708,6 @@
               </a:rPr>
               <a:t>Check</a:t>
             </a:r>
-            <a:endParaRPr kumimoji="1" lang="en-US" altLang="ja-JP" sz="1000" b="1" dirty="0" smtClean="0">
-              <a:solidFill>
-                <a:schemeClr val="tx1"/>
-              </a:solidFill>
-            </a:endParaRPr>
           </a:p>
           <a:p>
             <a:pPr algn="ctr"/>
@@ -3885,7 +3746,7 @@
         </p:nvSpPr>
         <p:spPr>
           <a:xfrm>
-            <a:off x="2428297" y="5320477"/>
+            <a:off x="3116865" y="4945480"/>
             <a:ext cx="932791" cy="1070952"/>
           </a:xfrm>
           <a:prstGeom prst="rect">
@@ -3957,7 +3818,7 @@
         </p:nvSpPr>
         <p:spPr>
           <a:xfrm>
-            <a:off x="5439421" y="3642485"/>
+            <a:off x="3116865" y="3678743"/>
             <a:ext cx="932791" cy="1070952"/>
           </a:xfrm>
           <a:prstGeom prst="rect">
@@ -4039,7 +3900,7 @@
         </p:nvSpPr>
         <p:spPr>
           <a:xfrm>
-            <a:off x="4454217" y="4304210"/>
+            <a:off x="4259906" y="3679196"/>
             <a:ext cx="932791" cy="1070952"/>
           </a:xfrm>
           <a:prstGeom prst="rect">
@@ -4116,277 +3977,6 @@
           </a:p>
         </p:txBody>
       </p:sp>
-      <p:cxnSp>
-        <p:nvCxnSpPr>
-          <p:cNvPr id="14" name="直線矢印コネクタ 13"/>
-          <p:cNvCxnSpPr>
-            <a:stCxn id="4" idx="0"/>
-          </p:cNvCxnSpPr>
-          <p:nvPr/>
-        </p:nvCxnSpPr>
-        <p:spPr>
-          <a:xfrm flipV="1">
-            <a:off x="743458" y="1476400"/>
-            <a:ext cx="1570128" cy="1195320"/>
-          </a:xfrm>
-          <a:prstGeom prst="straightConnector1">
-            <a:avLst/>
-          </a:prstGeom>
-          <a:ln>
-            <a:tailEnd type="arrow"/>
-          </a:ln>
-        </p:spPr>
-        <p:style>
-          <a:lnRef idx="3">
-            <a:schemeClr val="dk1"/>
-          </a:lnRef>
-          <a:fillRef idx="0">
-            <a:schemeClr val="dk1"/>
-          </a:fillRef>
-          <a:effectRef idx="2">
-            <a:schemeClr val="dk1"/>
-          </a:effectRef>
-          <a:fontRef idx="minor">
-            <a:schemeClr val="tx1"/>
-          </a:fontRef>
-        </p:style>
-      </p:cxnSp>
-      <p:cxnSp>
-        <p:nvCxnSpPr>
-          <p:cNvPr id="15" name="直線矢印コネクタ 14"/>
-          <p:cNvCxnSpPr/>
-          <p:nvPr/>
-        </p:nvCxnSpPr>
-        <p:spPr>
-          <a:xfrm flipV="1">
-            <a:off x="1187624" y="1876838"/>
-            <a:ext cx="2232248" cy="791572"/>
-          </a:xfrm>
-          <a:prstGeom prst="straightConnector1">
-            <a:avLst/>
-          </a:prstGeom>
-          <a:ln>
-            <a:tailEnd type="arrow"/>
-          </a:ln>
-        </p:spPr>
-        <p:style>
-          <a:lnRef idx="3">
-            <a:schemeClr val="dk1"/>
-          </a:lnRef>
-          <a:fillRef idx="0">
-            <a:schemeClr val="dk1"/>
-          </a:fillRef>
-          <a:effectRef idx="2">
-            <a:schemeClr val="dk1"/>
-          </a:effectRef>
-          <a:fontRef idx="minor">
-            <a:schemeClr val="tx1"/>
-          </a:fontRef>
-        </p:style>
-      </p:cxnSp>
-      <p:cxnSp>
-        <p:nvCxnSpPr>
-          <p:cNvPr id="17" name="直線矢印コネクタ 16"/>
-          <p:cNvCxnSpPr/>
-          <p:nvPr/>
-        </p:nvCxnSpPr>
-        <p:spPr>
-          <a:xfrm flipV="1">
-            <a:off x="1331640" y="2590690"/>
-            <a:ext cx="3122577" cy="213928"/>
-          </a:xfrm>
-          <a:prstGeom prst="straightConnector1">
-            <a:avLst/>
-          </a:prstGeom>
-          <a:ln>
-            <a:tailEnd type="arrow"/>
-          </a:ln>
-        </p:spPr>
-        <p:style>
-          <a:lnRef idx="3">
-            <a:schemeClr val="dk1"/>
-          </a:lnRef>
-          <a:fillRef idx="0">
-            <a:schemeClr val="dk1"/>
-          </a:fillRef>
-          <a:effectRef idx="2">
-            <a:schemeClr val="dk1"/>
-          </a:effectRef>
-          <a:fontRef idx="minor">
-            <a:schemeClr val="tx1"/>
-          </a:fontRef>
-        </p:style>
-      </p:cxnSp>
-      <p:cxnSp>
-        <p:nvCxnSpPr>
-          <p:cNvPr id="19" name="直線矢印コネクタ 18"/>
-          <p:cNvCxnSpPr>
-            <a:endCxn id="10" idx="1"/>
-          </p:cNvCxnSpPr>
-          <p:nvPr/>
-        </p:nvCxnSpPr>
-        <p:spPr>
-          <a:xfrm flipV="1">
-            <a:off x="1331640" y="3003615"/>
-            <a:ext cx="4107782" cy="62228"/>
-          </a:xfrm>
-          <a:prstGeom prst="straightConnector1">
-            <a:avLst/>
-          </a:prstGeom>
-          <a:ln>
-            <a:tailEnd type="arrow"/>
-          </a:ln>
-        </p:spPr>
-        <p:style>
-          <a:lnRef idx="3">
-            <a:schemeClr val="dk1"/>
-          </a:lnRef>
-          <a:fillRef idx="0">
-            <a:schemeClr val="dk1"/>
-          </a:fillRef>
-          <a:effectRef idx="2">
-            <a:schemeClr val="dk1"/>
-          </a:effectRef>
-          <a:fontRef idx="minor">
-            <a:schemeClr val="tx1"/>
-          </a:fontRef>
-        </p:style>
-      </p:cxnSp>
-      <p:cxnSp>
-        <p:nvCxnSpPr>
-          <p:cNvPr id="21" name="直線矢印コネクタ 20"/>
-          <p:cNvCxnSpPr/>
-          <p:nvPr/>
-        </p:nvCxnSpPr>
-        <p:spPr>
-          <a:xfrm>
-            <a:off x="1331640" y="3696307"/>
-            <a:ext cx="4107781" cy="51283"/>
-          </a:xfrm>
-          <a:prstGeom prst="straightConnector1">
-            <a:avLst/>
-          </a:prstGeom>
-          <a:ln>
-            <a:tailEnd type="arrow"/>
-          </a:ln>
-        </p:spPr>
-        <p:style>
-          <a:lnRef idx="3">
-            <a:schemeClr val="dk1"/>
-          </a:lnRef>
-          <a:fillRef idx="0">
-            <a:schemeClr val="dk1"/>
-          </a:fillRef>
-          <a:effectRef idx="2">
-            <a:schemeClr val="dk1"/>
-          </a:effectRef>
-          <a:fontRef idx="minor">
-            <a:schemeClr val="tx1"/>
-          </a:fontRef>
-        </p:style>
-      </p:cxnSp>
-      <p:cxnSp>
-        <p:nvCxnSpPr>
-          <p:cNvPr id="23" name="直線矢印コネクタ 22"/>
-          <p:cNvCxnSpPr/>
-          <p:nvPr/>
-        </p:nvCxnSpPr>
-        <p:spPr>
-          <a:xfrm>
-            <a:off x="1331640" y="3876354"/>
-            <a:ext cx="3122577" cy="704774"/>
-          </a:xfrm>
-          <a:prstGeom prst="straightConnector1">
-            <a:avLst/>
-          </a:prstGeom>
-          <a:ln>
-            <a:tailEnd type="arrow"/>
-          </a:ln>
-        </p:spPr>
-        <p:style>
-          <a:lnRef idx="3">
-            <a:schemeClr val="dk1"/>
-          </a:lnRef>
-          <a:fillRef idx="0">
-            <a:schemeClr val="dk1"/>
-          </a:fillRef>
-          <a:effectRef idx="2">
-            <a:schemeClr val="dk1"/>
-          </a:effectRef>
-          <a:fontRef idx="minor">
-            <a:schemeClr val="tx1"/>
-          </a:fontRef>
-        </p:style>
-      </p:cxnSp>
-      <p:cxnSp>
-        <p:nvCxnSpPr>
-          <p:cNvPr id="26" name="直線矢印コネクタ 25"/>
-          <p:cNvCxnSpPr/>
-          <p:nvPr/>
-        </p:nvCxnSpPr>
-        <p:spPr>
-          <a:xfrm>
-            <a:off x="1187624" y="4077071"/>
-            <a:ext cx="2232248" cy="936105"/>
-          </a:xfrm>
-          <a:prstGeom prst="straightConnector1">
-            <a:avLst/>
-          </a:prstGeom>
-          <a:ln>
-            <a:tailEnd type="arrow"/>
-          </a:ln>
-        </p:spPr>
-        <p:style>
-          <a:lnRef idx="3">
-            <a:schemeClr val="dk1"/>
-          </a:lnRef>
-          <a:fillRef idx="0">
-            <a:schemeClr val="dk1"/>
-          </a:fillRef>
-          <a:effectRef idx="2">
-            <a:schemeClr val="dk1"/>
-          </a:effectRef>
-          <a:fontRef idx="minor">
-            <a:schemeClr val="tx1"/>
-          </a:fontRef>
-        </p:style>
-      </p:cxnSp>
-      <p:cxnSp>
-        <p:nvCxnSpPr>
-          <p:cNvPr id="29" name="直線矢印コネクタ 28"/>
-          <p:cNvCxnSpPr>
-            <a:stCxn id="4" idx="2"/>
-            <a:endCxn id="9" idx="0"/>
-          </p:cNvCxnSpPr>
-          <p:nvPr/>
-        </p:nvCxnSpPr>
-        <p:spPr>
-          <a:xfrm>
-            <a:off x="743458" y="4077071"/>
-            <a:ext cx="2151235" cy="1243406"/>
-          </a:xfrm>
-          <a:prstGeom prst="straightConnector1">
-            <a:avLst/>
-          </a:prstGeom>
-          <a:ln>
-            <a:tailEnd type="arrow"/>
-          </a:ln>
-        </p:spPr>
-        <p:style>
-          <a:lnRef idx="3">
-            <a:schemeClr val="dk1"/>
-          </a:lnRef>
-          <a:fillRef idx="0">
-            <a:schemeClr val="dk1"/>
-          </a:fillRef>
-          <a:effectRef idx="2">
-            <a:schemeClr val="dk1"/>
-          </a:effectRef>
-          <a:fontRef idx="minor">
-            <a:schemeClr val="tx1"/>
-          </a:fontRef>
-        </p:style>
-      </p:cxnSp>
       <p:sp>
         <p:nvSpPr>
           <p:cNvPr id="51" name="テキスト ボックス 50"/>
@@ -4395,7 +3985,7 @@
         </p:nvSpPr>
         <p:spPr>
           <a:xfrm>
-            <a:off x="2649613" y="251356"/>
+            <a:off x="2762185" y="703476"/>
             <a:ext cx="2759089" cy="369332"/>
           </a:xfrm>
           <a:prstGeom prst="rect">
@@ -4433,7 +4023,7 @@
         </p:nvSpPr>
         <p:spPr>
           <a:xfrm>
-            <a:off x="7380312" y="2988973"/>
+            <a:off x="7180589" y="2809346"/>
             <a:ext cx="1619672" cy="1414668"/>
           </a:xfrm>
           <a:prstGeom prst="can">
@@ -4475,140 +4065,6 @@
           </a:p>
         </p:txBody>
       </p:sp>
-      <p:cxnSp>
-        <p:nvCxnSpPr>
-          <p:cNvPr id="55" name="直線矢印コネクタ 54"/>
-          <p:cNvCxnSpPr/>
-          <p:nvPr/>
-        </p:nvCxnSpPr>
-        <p:spPr>
-          <a:xfrm>
-            <a:off x="4352663" y="1556792"/>
-            <a:ext cx="3027649" cy="1584581"/>
-          </a:xfrm>
-          <a:prstGeom prst="straightConnector1">
-            <a:avLst/>
-          </a:prstGeom>
-          <a:ln>
-            <a:tailEnd type="arrow"/>
-          </a:ln>
-        </p:spPr>
-        <p:style>
-          <a:lnRef idx="3">
-            <a:schemeClr val="accent2"/>
-          </a:lnRef>
-          <a:fillRef idx="0">
-            <a:schemeClr val="accent2"/>
-          </a:fillRef>
-          <a:effectRef idx="2">
-            <a:schemeClr val="accent2"/>
-          </a:effectRef>
-          <a:fontRef idx="minor">
-            <a:schemeClr val="tx1"/>
-          </a:fontRef>
-        </p:style>
-      </p:cxnSp>
-      <p:cxnSp>
-        <p:nvCxnSpPr>
-          <p:cNvPr id="60" name="直線矢印コネクタ 59"/>
-          <p:cNvCxnSpPr/>
-          <p:nvPr/>
-        </p:nvCxnSpPr>
-        <p:spPr>
-          <a:xfrm>
-            <a:off x="5368915" y="2497616"/>
-            <a:ext cx="1985771" cy="876779"/>
-          </a:xfrm>
-          <a:prstGeom prst="straightConnector1">
-            <a:avLst/>
-          </a:prstGeom>
-          <a:ln>
-            <a:tailEnd type="arrow"/>
-          </a:ln>
-        </p:spPr>
-        <p:style>
-          <a:lnRef idx="3">
-            <a:schemeClr val="accent2"/>
-          </a:lnRef>
-          <a:fillRef idx="0">
-            <a:schemeClr val="accent2"/>
-          </a:fillRef>
-          <a:effectRef idx="2">
-            <a:schemeClr val="accent2"/>
-          </a:effectRef>
-          <a:fontRef idx="minor">
-            <a:schemeClr val="tx1"/>
-          </a:fontRef>
-        </p:style>
-      </p:cxnSp>
-      <p:cxnSp>
-        <p:nvCxnSpPr>
-          <p:cNvPr id="63" name="直線矢印コネクタ 62"/>
-          <p:cNvCxnSpPr>
-            <a:endCxn id="52" idx="2"/>
-          </p:cNvCxnSpPr>
-          <p:nvPr/>
-        </p:nvCxnSpPr>
-        <p:spPr>
-          <a:xfrm>
-            <a:off x="6372212" y="3324025"/>
-            <a:ext cx="1008100" cy="372282"/>
-          </a:xfrm>
-          <a:prstGeom prst="straightConnector1">
-            <a:avLst/>
-          </a:prstGeom>
-          <a:ln>
-            <a:tailEnd type="arrow"/>
-          </a:ln>
-        </p:spPr>
-        <p:style>
-          <a:lnRef idx="3">
-            <a:schemeClr val="accent2"/>
-          </a:lnRef>
-          <a:fillRef idx="0">
-            <a:schemeClr val="accent2"/>
-          </a:fillRef>
-          <a:effectRef idx="2">
-            <a:schemeClr val="accent2"/>
-          </a:effectRef>
-          <a:fontRef idx="minor">
-            <a:schemeClr val="tx1"/>
-          </a:fontRef>
-        </p:style>
-      </p:cxnSp>
-      <p:cxnSp>
-        <p:nvCxnSpPr>
-          <p:cNvPr id="66" name="直線矢印コネクタ 65"/>
-          <p:cNvCxnSpPr/>
-          <p:nvPr/>
-        </p:nvCxnSpPr>
-        <p:spPr>
-          <a:xfrm flipV="1">
-            <a:off x="6361800" y="3891987"/>
-            <a:ext cx="1018512" cy="152400"/>
-          </a:xfrm>
-          <a:prstGeom prst="straightConnector1">
-            <a:avLst/>
-          </a:prstGeom>
-          <a:ln>
-            <a:tailEnd type="arrow"/>
-          </a:ln>
-        </p:spPr>
-        <p:style>
-          <a:lnRef idx="3">
-            <a:schemeClr val="accent2"/>
-          </a:lnRef>
-          <a:fillRef idx="0">
-            <a:schemeClr val="accent2"/>
-          </a:fillRef>
-          <a:effectRef idx="2">
-            <a:schemeClr val="accent2"/>
-          </a:effectRef>
-          <a:fontRef idx="minor">
-            <a:schemeClr val="tx1"/>
-          </a:fontRef>
-        </p:style>
-      </p:cxnSp>
       <p:sp>
         <p:nvSpPr>
           <p:cNvPr id="7" name="正方形/長方形 6"/>
@@ -4617,7 +4073,7 @@
         </p:nvSpPr>
         <p:spPr>
           <a:xfrm>
-            <a:off x="4454218" y="1764694"/>
+            <a:off x="3116865" y="2427106"/>
             <a:ext cx="932791" cy="1070952"/>
           </a:xfrm>
           <a:prstGeom prst="rect">
@@ -4689,7 +4145,7 @@
         </p:nvSpPr>
         <p:spPr>
           <a:xfrm>
-            <a:off x="5439422" y="2468139"/>
+            <a:off x="4259907" y="2427106"/>
             <a:ext cx="932791" cy="1070952"/>
           </a:xfrm>
           <a:prstGeom prst="rect">
@@ -4766,39 +4222,6 @@
           </a:p>
         </p:txBody>
       </p:sp>
-      <p:cxnSp>
-        <p:nvCxnSpPr>
-          <p:cNvPr id="79" name="直線矢印コネクタ 78"/>
-          <p:cNvCxnSpPr/>
-          <p:nvPr/>
-        </p:nvCxnSpPr>
-        <p:spPr>
-          <a:xfrm>
-            <a:off x="6689726" y="805354"/>
-            <a:ext cx="1000281" cy="0"/>
-          </a:xfrm>
-          <a:prstGeom prst="straightConnector1">
-            <a:avLst/>
-          </a:prstGeom>
-          <a:ln>
-            <a:tailEnd type="arrow"/>
-          </a:ln>
-        </p:spPr>
-        <p:style>
-          <a:lnRef idx="3">
-            <a:schemeClr val="accent2"/>
-          </a:lnRef>
-          <a:fillRef idx="0">
-            <a:schemeClr val="accent2"/>
-          </a:fillRef>
-          <a:effectRef idx="2">
-            <a:schemeClr val="accent2"/>
-          </a:effectRef>
-          <a:fontRef idx="minor">
-            <a:schemeClr val="tx1"/>
-          </a:fontRef>
-        </p:style>
-      </p:cxnSp>
       <p:sp>
         <p:nvSpPr>
           <p:cNvPr id="80" name="テキスト ボックス 79"/>
@@ -4845,7 +4268,7 @@
         </p:nvSpPr>
         <p:spPr>
           <a:xfrm>
-            <a:off x="5735014" y="5185376"/>
+            <a:off x="5842489" y="5225422"/>
             <a:ext cx="3290595" cy="1573395"/>
           </a:xfrm>
           <a:prstGeom prst="rect">
@@ -4999,6 +4422,120 @@
                 </a:outerShdw>
               </a:effectLst>
             </a:endParaRPr>
+          </a:p>
+        </p:txBody>
+      </p:sp>
+      <p:sp>
+        <p:nvSpPr>
+          <p:cNvPr id="18" name="右矢印 17"/>
+          <p:cNvSpPr/>
+          <p:nvPr/>
+        </p:nvSpPr>
+        <p:spPr>
+          <a:xfrm>
+            <a:off x="1475656" y="3141373"/>
+            <a:ext cx="1512168" cy="750614"/>
+          </a:xfrm>
+          <a:prstGeom prst="rightArrow">
+            <a:avLst/>
+          </a:prstGeom>
+        </p:spPr>
+        <p:style>
+          <a:lnRef idx="1">
+            <a:schemeClr val="accent1"/>
+          </a:lnRef>
+          <a:fillRef idx="3">
+            <a:schemeClr val="accent1"/>
+          </a:fillRef>
+          <a:effectRef idx="2">
+            <a:schemeClr val="accent1"/>
+          </a:effectRef>
+          <a:fontRef idx="minor">
+            <a:schemeClr val="lt1"/>
+          </a:fontRef>
+        </p:style>
+        <p:txBody>
+          <a:bodyPr rtlCol="0" anchor="ctr"/>
+          <a:lstStyle/>
+          <a:p>
+            <a:pPr algn="ctr"/>
+            <a:endParaRPr kumimoji="1" lang="ja-JP" altLang="en-US"/>
+          </a:p>
+        </p:txBody>
+      </p:sp>
+      <p:sp>
+        <p:nvSpPr>
+          <p:cNvPr id="20" name="右矢印 19"/>
+          <p:cNvSpPr/>
+          <p:nvPr/>
+        </p:nvSpPr>
+        <p:spPr>
+          <a:xfrm>
+            <a:off x="5415627" y="3162516"/>
+            <a:ext cx="1512168" cy="716614"/>
+          </a:xfrm>
+          <a:prstGeom prst="rightArrow">
+            <a:avLst/>
+          </a:prstGeom>
+        </p:spPr>
+        <p:style>
+          <a:lnRef idx="1">
+            <a:schemeClr val="accent2"/>
+          </a:lnRef>
+          <a:fillRef idx="3">
+            <a:schemeClr val="accent2"/>
+          </a:fillRef>
+          <a:effectRef idx="2">
+            <a:schemeClr val="accent2"/>
+          </a:effectRef>
+          <a:fontRef idx="minor">
+            <a:schemeClr val="lt1"/>
+          </a:fontRef>
+        </p:style>
+        <p:txBody>
+          <a:bodyPr rtlCol="0" anchor="ctr"/>
+          <a:lstStyle/>
+          <a:p>
+            <a:pPr algn="ctr"/>
+            <a:endParaRPr kumimoji="1" lang="ja-JP" altLang="en-US"/>
+          </a:p>
+        </p:txBody>
+      </p:sp>
+      <p:sp>
+        <p:nvSpPr>
+          <p:cNvPr id="39" name="右矢印 38"/>
+          <p:cNvSpPr/>
+          <p:nvPr/>
+        </p:nvSpPr>
+        <p:spPr>
+          <a:xfrm>
+            <a:off x="6588224" y="541760"/>
+            <a:ext cx="1069776" cy="570380"/>
+          </a:xfrm>
+          <a:prstGeom prst="rightArrow">
+            <a:avLst/>
+          </a:prstGeom>
+        </p:spPr>
+        <p:style>
+          <a:lnRef idx="1">
+            <a:schemeClr val="accent2"/>
+          </a:lnRef>
+          <a:fillRef idx="3">
+            <a:schemeClr val="accent2"/>
+          </a:fillRef>
+          <a:effectRef idx="2">
+            <a:schemeClr val="accent2"/>
+          </a:effectRef>
+          <a:fontRef idx="minor">
+            <a:schemeClr val="lt1"/>
+          </a:fontRef>
+        </p:style>
+        <p:txBody>
+          <a:bodyPr rtlCol="0" anchor="ctr"/>
+          <a:lstStyle/>
+          <a:p>
+            <a:pPr algn="ctr"/>
+            <a:endParaRPr kumimoji="1" lang="ja-JP" altLang="en-US"/>
           </a:p>
         </p:txBody>
       </p:sp>
